--- a/docs/diagrams/UpdateDisplayCommandSequenceDiagram.pptx
+++ b/docs/diagrams/UpdateDisplayCommandSequenceDiagram.pptx
@@ -261,7 +261,7 @@
           <a:p>
             <a:fld id="{0074C0BA-3AAF-47C1-8536-6C69A86C4A41}" type="datetimeFigureOut">
               <a:rPr lang="en-SG" smtClean="0"/>
-              <a:t>12/4/2018</a:t>
+              <a:t>15/4/2018</a:t>
             </a:fld>
             <a:endParaRPr lang="en-SG"/>
           </a:p>
@@ -461,7 +461,7 @@
           <a:p>
             <a:fld id="{0074C0BA-3AAF-47C1-8536-6C69A86C4A41}" type="datetimeFigureOut">
               <a:rPr lang="en-SG" smtClean="0"/>
-              <a:t>12/4/2018</a:t>
+              <a:t>15/4/2018</a:t>
             </a:fld>
             <a:endParaRPr lang="en-SG"/>
           </a:p>
@@ -671,7 +671,7 @@
           <a:p>
             <a:fld id="{0074C0BA-3AAF-47C1-8536-6C69A86C4A41}" type="datetimeFigureOut">
               <a:rPr lang="en-SG" smtClean="0"/>
-              <a:t>12/4/2018</a:t>
+              <a:t>15/4/2018</a:t>
             </a:fld>
             <a:endParaRPr lang="en-SG"/>
           </a:p>
@@ -871,7 +871,7 @@
           <a:p>
             <a:fld id="{0074C0BA-3AAF-47C1-8536-6C69A86C4A41}" type="datetimeFigureOut">
               <a:rPr lang="en-SG" smtClean="0"/>
-              <a:t>12/4/2018</a:t>
+              <a:t>15/4/2018</a:t>
             </a:fld>
             <a:endParaRPr lang="en-SG"/>
           </a:p>
@@ -1147,7 +1147,7 @@
           <a:p>
             <a:fld id="{0074C0BA-3AAF-47C1-8536-6C69A86C4A41}" type="datetimeFigureOut">
               <a:rPr lang="en-SG" smtClean="0"/>
-              <a:t>12/4/2018</a:t>
+              <a:t>15/4/2018</a:t>
             </a:fld>
             <a:endParaRPr lang="en-SG"/>
           </a:p>
@@ -1415,7 +1415,7 @@
           <a:p>
             <a:fld id="{0074C0BA-3AAF-47C1-8536-6C69A86C4A41}" type="datetimeFigureOut">
               <a:rPr lang="en-SG" smtClean="0"/>
-              <a:t>12/4/2018</a:t>
+              <a:t>15/4/2018</a:t>
             </a:fld>
             <a:endParaRPr lang="en-SG"/>
           </a:p>
@@ -1830,7 +1830,7 @@
           <a:p>
             <a:fld id="{0074C0BA-3AAF-47C1-8536-6C69A86C4A41}" type="datetimeFigureOut">
               <a:rPr lang="en-SG" smtClean="0"/>
-              <a:t>12/4/2018</a:t>
+              <a:t>15/4/2018</a:t>
             </a:fld>
             <a:endParaRPr lang="en-SG"/>
           </a:p>
@@ -1972,7 +1972,7 @@
           <a:p>
             <a:fld id="{0074C0BA-3AAF-47C1-8536-6C69A86C4A41}" type="datetimeFigureOut">
               <a:rPr lang="en-SG" smtClean="0"/>
-              <a:t>12/4/2018</a:t>
+              <a:t>15/4/2018</a:t>
             </a:fld>
             <a:endParaRPr lang="en-SG"/>
           </a:p>
@@ -2085,7 +2085,7 @@
           <a:p>
             <a:fld id="{0074C0BA-3AAF-47C1-8536-6C69A86C4A41}" type="datetimeFigureOut">
               <a:rPr lang="en-SG" smtClean="0"/>
-              <a:t>12/4/2018</a:t>
+              <a:t>15/4/2018</a:t>
             </a:fld>
             <a:endParaRPr lang="en-SG"/>
           </a:p>
@@ -2398,7 +2398,7 @@
           <a:p>
             <a:fld id="{0074C0BA-3AAF-47C1-8536-6C69A86C4A41}" type="datetimeFigureOut">
               <a:rPr lang="en-SG" smtClean="0"/>
-              <a:t>12/4/2018</a:t>
+              <a:t>15/4/2018</a:t>
             </a:fld>
             <a:endParaRPr lang="en-SG"/>
           </a:p>
@@ -2687,7 +2687,7 @@
           <a:p>
             <a:fld id="{0074C0BA-3AAF-47C1-8536-6C69A86C4A41}" type="datetimeFigureOut">
               <a:rPr lang="en-SG" smtClean="0"/>
-              <a:t>12/4/2018</a:t>
+              <a:t>15/4/2018</a:t>
             </a:fld>
             <a:endParaRPr lang="en-SG"/>
           </a:p>
@@ -2930,7 +2930,7 @@
           <a:p>
             <a:fld id="{0074C0BA-3AAF-47C1-8536-6C69A86C4A41}" type="datetimeFigureOut">
               <a:rPr lang="en-SG" smtClean="0"/>
-              <a:t>12/4/2018</a:t>
+              <a:t>15/4/2018</a:t>
             </a:fld>
             <a:endParaRPr lang="en-SG"/>
           </a:p>
@@ -3361,8 +3361,8 @@
         </p:nvSpPr>
         <p:spPr>
           <a:xfrm>
-            <a:off x="361950" y="219078"/>
-            <a:ext cx="8846620" cy="7658795"/>
+            <a:off x="361950" y="219079"/>
+            <a:ext cx="8839830" cy="7482070"/>
           </a:xfrm>
           <a:prstGeom prst="roundRect">
             <a:avLst>
